--- a/translations/es/intermediate/UltrasonicWallFollow.pptx
+++ b/translations/es/intermediate/UltrasonicWallFollow.pptx
@@ -215,7 +215,7 @@
           <a:p>
             <a:fld id="{00645338-D098-6144-A52C-FBC006AF2B70}" type="datetimeFigureOut">
               <a:rPr lang="en-US" smtClean="0"/>
-              <a:t>1/31/2017</a:t>
+              <a:t>2/5/17</a:t>
             </a:fld>
             <a:endParaRPr lang="en-US"/>
           </a:p>
@@ -373,7 +373,7 @@
           <a:p>
             <a:fld id="{5C74673A-4F1F-2D47-98AE-438AC292431B}" type="slidenum">
               <a:rPr lang="en-US" smtClean="0"/>
-              <a:t>‹Nº›</a:t>
+              <a:t>‹#›</a:t>
             </a:fld>
             <a:endParaRPr lang="en-US"/>
           </a:p>
@@ -835,9 +835,9 @@
           <a:bodyPr/>
           <a:lstStyle/>
           <a:p>
-            <a:fld id="{DFD98588-FE88-45FD-A690-4E864FCCB0D1}" type="datetime1">
+            <a:fld id="{074F92C2-3B94-244B-97B3-D6BEE396F9F8}" type="datetime1">
               <a:rPr lang="en-US" smtClean="0"/>
-              <a:t>1/31/2017</a:t>
+              <a:t>2/5/17</a:t>
             </a:fld>
             <a:endParaRPr lang="en-US"/>
           </a:p>
@@ -882,7 +882,7 @@
           <a:p>
             <a:fld id="{7F5CE407-6216-4202-80E4-A30DC2F709B2}" type="slidenum">
               <a:rPr lang="en-US" smtClean="0"/>
-              <a:t>‹Nº›</a:t>
+              <a:t>‹#›</a:t>
             </a:fld>
             <a:endParaRPr lang="en-US"/>
           </a:p>
@@ -1034,7 +1034,7 @@
           <a:noFill/>
           <a:extLst>
             <a:ext uri="{909E8E84-426E-40dd-AFC4-6F175D3DCCD1}">
-              <a14:hiddenFill xmlns="" xmlns:a14="http://schemas.microsoft.com/office/drawing/2010/main">
+              <a14:hiddenFill xmlns:a14="http://schemas.microsoft.com/office/drawing/2010/main" xmlns="">
                 <a:solidFill>
                   <a:srgbClr val="FFFFFF"/>
                 </a:solidFill>
@@ -1200,9 +1200,9 @@
           <a:bodyPr/>
           <a:lstStyle/>
           <a:p>
-            <a:fld id="{B6A47EE7-216C-4BFF-BC07-1A8A660855D7}" type="datetime1">
+            <a:fld id="{3F344561-6FDE-C743-AA44-D33CD027E01A}" type="datetime1">
               <a:rPr lang="en-US" smtClean="0"/>
-              <a:t>1/31/2017</a:t>
+              <a:t>2/5/17</a:t>
             </a:fld>
             <a:endParaRPr lang="en-US"/>
           </a:p>
@@ -1247,7 +1247,7 @@
           <a:p>
             <a:fld id="{4382A7F7-08BF-4252-8141-63FB96055BBB}" type="slidenum">
               <a:rPr lang="en-US" smtClean="0"/>
-              <a:t>‹Nº›</a:t>
+              <a:t>‹#›</a:t>
             </a:fld>
             <a:endParaRPr lang="en-US"/>
           </a:p>
@@ -1459,9 +1459,9 @@
           <a:bodyPr/>
           <a:lstStyle/>
           <a:p>
-            <a:fld id="{63DE90DE-C2B6-43EB-B6D7-5B09BAC75825}" type="datetime1">
+            <a:fld id="{489B3936-AD9C-5E4A-9B1F-C0B5909E615D}" type="datetime1">
               <a:rPr lang="en-US" smtClean="0"/>
-              <a:t>1/31/2017</a:t>
+              <a:t>2/5/17</a:t>
             </a:fld>
             <a:endParaRPr lang="en-US"/>
           </a:p>
@@ -1506,7 +1506,7 @@
           <a:p>
             <a:fld id="{4382A7F7-08BF-4252-8141-63FB96055BBB}" type="slidenum">
               <a:rPr lang="en-US" smtClean="0"/>
-              <a:t>‹Nº›</a:t>
+              <a:t>‹#›</a:t>
             </a:fld>
             <a:endParaRPr lang="en-US"/>
           </a:p>
@@ -1713,9 +1713,9 @@
           <a:bodyPr/>
           <a:lstStyle/>
           <a:p>
-            <a:fld id="{1E395314-252B-4093-9CD9-DFB3862C2E80}" type="datetime1">
+            <a:fld id="{190DE600-5C83-D148-BE77-E9FEF308EF7C}" type="datetime1">
               <a:rPr lang="en-US" smtClean="0"/>
-              <a:t>1/31/2017</a:t>
+              <a:t>2/5/17</a:t>
             </a:fld>
             <a:endParaRPr lang="en-US"/>
           </a:p>
@@ -1760,7 +1760,7 @@
           <a:p>
             <a:fld id="{7F5CE407-6216-4202-80E4-A30DC2F709B2}" type="slidenum">
               <a:rPr lang="en-US" smtClean="0"/>
-              <a:t>‹Nº›</a:t>
+              <a:t>‹#›</a:t>
             </a:fld>
             <a:endParaRPr lang="en-US"/>
           </a:p>
@@ -2082,9 +2082,9 @@
           <a:bodyPr/>
           <a:lstStyle/>
           <a:p>
-            <a:fld id="{2C418B51-1082-412F-834D-38EC519567EE}" type="datetime1">
+            <a:fld id="{14DA0697-02E6-5A48-B72D-7FAFAFBABDDB}" type="datetime1">
               <a:rPr lang="en-US" smtClean="0"/>
-              <a:t>1/31/2017</a:t>
+              <a:t>2/5/17</a:t>
             </a:fld>
             <a:endParaRPr lang="en-US"/>
           </a:p>
@@ -2129,7 +2129,7 @@
           <a:p>
             <a:fld id="{4382A7F7-08BF-4252-8141-63FB96055BBB}" type="slidenum">
               <a:rPr lang="en-US" smtClean="0"/>
-              <a:t>‹Nº›</a:t>
+              <a:t>‹#›</a:t>
             </a:fld>
             <a:endParaRPr lang="en-US"/>
           </a:p>
@@ -2428,9 +2428,9 @@
           <a:bodyPr/>
           <a:lstStyle/>
           <a:p>
-            <a:fld id="{7CCBB1A6-4D59-4772-AF09-52B467D82759}" type="datetime1">
+            <a:fld id="{1CFE078A-1F43-A841-8C45-60A0CFC89F1B}" type="datetime1">
               <a:rPr lang="en-US" smtClean="0"/>
-              <a:t>1/31/2017</a:t>
+              <a:t>2/5/17</a:t>
             </a:fld>
             <a:endParaRPr lang="en-US"/>
           </a:p>
@@ -2475,7 +2475,7 @@
           <a:p>
             <a:fld id="{162F1D00-BD13-4404-86B0-79703945A0A7}" type="slidenum">
               <a:rPr lang="en-US" smtClean="0"/>
-              <a:t>‹Nº›</a:t>
+              <a:t>‹#›</a:t>
             </a:fld>
             <a:endParaRPr lang="en-US"/>
           </a:p>
@@ -2706,9 +2706,9 @@
           <a:bodyPr/>
           <a:lstStyle/>
           <a:p>
-            <a:fld id="{DC613124-DE4C-4D22-A666-BA9D3AB385F9}" type="datetime1">
+            <a:fld id="{641FB0EC-1842-3148-BD31-00D956EBEDB7}" type="datetime1">
               <a:rPr lang="en-US" smtClean="0"/>
-              <a:t>1/31/2017</a:t>
+              <a:t>2/5/17</a:t>
             </a:fld>
             <a:endParaRPr lang="en-US"/>
           </a:p>
@@ -2754,7 +2754,7 @@
           <a:p>
             <a:fld id="{4382A7F7-08BF-4252-8141-63FB96055BBB}" type="slidenum">
               <a:rPr lang="en-US" smtClean="0"/>
-              <a:t>‹Nº›</a:t>
+              <a:t>‹#›</a:t>
             </a:fld>
             <a:endParaRPr lang="en-US"/>
           </a:p>
@@ -3089,9 +3089,9 @@
           <a:bodyPr/>
           <a:lstStyle/>
           <a:p>
-            <a:fld id="{5ADD349F-DDFC-44F2-A76B-130C9FF7537A}" type="datetime1">
+            <a:fld id="{660C20BD-DA15-F74E-B909-EC98678514B5}" type="datetime1">
               <a:rPr lang="en-US" smtClean="0"/>
-              <a:t>1/31/2017</a:t>
+              <a:t>2/5/17</a:t>
             </a:fld>
             <a:endParaRPr lang="en-US"/>
           </a:p>
@@ -3136,7 +3136,7 @@
           <a:p>
             <a:fld id="{4382A7F7-08BF-4252-8141-63FB96055BBB}" type="slidenum">
               <a:rPr lang="en-US" smtClean="0"/>
-              <a:t>‹Nº›</a:t>
+              <a:t>‹#›</a:t>
             </a:fld>
             <a:endParaRPr lang="en-US"/>
           </a:p>
@@ -3210,9 +3210,9 @@
           <a:bodyPr/>
           <a:lstStyle/>
           <a:p>
-            <a:fld id="{CBB2E93D-2949-498C-A8AC-0E119D75177B}" type="datetime1">
+            <a:fld id="{D3EC864F-18D4-E441-8D4F-D57402E60C03}" type="datetime1">
               <a:rPr lang="en-US" smtClean="0"/>
-              <a:t>1/31/2017</a:t>
+              <a:t>2/5/17</a:t>
             </a:fld>
             <a:endParaRPr lang="en-US"/>
           </a:p>
@@ -3257,7 +3257,7 @@
           <a:p>
             <a:fld id="{4382A7F7-08BF-4252-8141-63FB96055BBB}" type="slidenum">
               <a:rPr lang="en-US" smtClean="0"/>
-              <a:t>‹Nº›</a:t>
+              <a:t>‹#›</a:t>
             </a:fld>
             <a:endParaRPr lang="en-US"/>
           </a:p>
@@ -3384,9 +3384,9 @@
           <a:bodyPr/>
           <a:lstStyle/>
           <a:p>
-            <a:fld id="{6E80ACA5-5DE5-40A4-B073-069109018CA2}" type="datetime1">
+            <a:fld id="{24E7BB91-8817-0144-8EEA-A66654D6A17D}" type="datetime1">
               <a:rPr lang="en-US" smtClean="0"/>
-              <a:t>1/31/2017</a:t>
+              <a:t>2/5/17</a:t>
             </a:fld>
             <a:endParaRPr lang="en-US"/>
           </a:p>
@@ -3439,7 +3439,7 @@
           <a:p>
             <a:fld id="{4382A7F7-08BF-4252-8141-63FB96055BBB}" type="slidenum">
               <a:rPr lang="en-US" smtClean="0"/>
-              <a:t>‹Nº›</a:t>
+              <a:t>‹#›</a:t>
             </a:fld>
             <a:endParaRPr lang="en-US"/>
           </a:p>
@@ -3741,9 +3741,9 @@
             </a:lvl1pPr>
           </a:lstStyle>
           <a:p>
-            <a:fld id="{F6676C0C-B5BF-40D4-8893-E332C84237E9}" type="datetime1">
+            <a:fld id="{4CE1C5DB-2C46-6B43-B2D5-501EF2B8D5E7}" type="datetime1">
               <a:rPr lang="en-US" smtClean="0"/>
-              <a:t>1/31/2017</a:t>
+              <a:t>2/5/17</a:t>
             </a:fld>
             <a:endParaRPr lang="en-US"/>
           </a:p>
@@ -3809,7 +3809,7 @@
           <a:p>
             <a:fld id="{7F5CE407-6216-4202-80E4-A30DC2F709B2}" type="slidenum">
               <a:rPr lang="en-US" smtClean="0"/>
-              <a:t>‹Nº›</a:t>
+              <a:t>‹#›</a:t>
             </a:fld>
             <a:endParaRPr lang="en-US"/>
           </a:p>
@@ -3935,9 +3935,9 @@
           <a:bodyPr/>
           <a:lstStyle/>
           <a:p>
-            <a:fld id="{D76A69DE-1E08-4C9C-B771-451EB6530827}" type="datetime1">
+            <a:fld id="{DD87E655-5265-4846-9DAE-F7260DE74390}" type="datetime1">
               <a:rPr lang="en-US" smtClean="0"/>
-              <a:t>1/31/2017</a:t>
+              <a:t>2/5/17</a:t>
             </a:fld>
             <a:endParaRPr lang="en-US"/>
           </a:p>
@@ -3982,7 +3982,7 @@
           <a:p>
             <a:fld id="{4382A7F7-08BF-4252-8141-63FB96055BBB}" type="slidenum">
               <a:rPr lang="en-US" smtClean="0"/>
-              <a:t>‹Nº›</a:t>
+              <a:t>‹#›</a:t>
             </a:fld>
             <a:endParaRPr lang="en-US"/>
           </a:p>
@@ -4299,9 +4299,9 @@
           <a:bodyPr/>
           <a:lstStyle/>
           <a:p>
-            <a:fld id="{E9320D26-B7B0-437C-AD58-AAC6945CB534}" type="datetime1">
+            <a:fld id="{6EED4A69-F44D-8E40-A92F-0F08467BD4DF}" type="datetime1">
               <a:rPr lang="en-US" smtClean="0"/>
-              <a:t>1/31/2017</a:t>
+              <a:t>2/5/17</a:t>
             </a:fld>
             <a:endParaRPr lang="en-US"/>
           </a:p>
@@ -4346,7 +4346,7 @@
           <a:p>
             <a:fld id="{4382A7F7-08BF-4252-8141-63FB96055BBB}" type="slidenum">
               <a:rPr lang="en-US" smtClean="0"/>
-              <a:t>‹Nº›</a:t>
+              <a:t>‹#›</a:t>
             </a:fld>
             <a:endParaRPr lang="en-US"/>
           </a:p>
@@ -4472,9 +4472,9 @@
           <a:bodyPr/>
           <a:lstStyle/>
           <a:p>
-            <a:fld id="{6C2227C5-8BBF-4D63-8E22-9293BFAF27A5}" type="datetime1">
+            <a:fld id="{AA6041B2-7720-7B4E-8E4F-D2E8BFB03827}" type="datetime1">
               <a:rPr lang="en-US" smtClean="0"/>
-              <a:t>1/31/2017</a:t>
+              <a:t>2/5/17</a:t>
             </a:fld>
             <a:endParaRPr lang="en-US"/>
           </a:p>
@@ -4519,7 +4519,7 @@
           <a:p>
             <a:fld id="{4382A7F7-08BF-4252-8141-63FB96055BBB}" type="slidenum">
               <a:rPr lang="en-US" smtClean="0"/>
-              <a:t>‹Nº›</a:t>
+              <a:t>‹#›</a:t>
             </a:fld>
             <a:endParaRPr lang="en-US"/>
           </a:p>
@@ -4731,9 +4731,9 @@
           <a:bodyPr/>
           <a:lstStyle/>
           <a:p>
-            <a:fld id="{8ACFCD01-5843-4ACE-8487-9FE55276A711}" type="datetime1">
+            <a:fld id="{8F633083-6B6E-1049-BFC9-D05CFD11827C}" type="datetime1">
               <a:rPr lang="en-US" smtClean="0"/>
-              <a:t>1/31/2017</a:t>
+              <a:t>2/5/17</a:t>
             </a:fld>
             <a:endParaRPr lang="en-US"/>
           </a:p>
@@ -4778,7 +4778,7 @@
           <a:p>
             <a:fld id="{4382A7F7-08BF-4252-8141-63FB96055BBB}" type="slidenum">
               <a:rPr lang="en-US" smtClean="0"/>
-              <a:t>‹Nº›</a:t>
+              <a:t>‹#›</a:t>
             </a:fld>
             <a:endParaRPr lang="en-US"/>
           </a:p>
@@ -5077,9 +5077,9 @@
           <a:bodyPr/>
           <a:lstStyle/>
           <a:p>
-            <a:fld id="{CBE96DFA-F570-4866-8911-C6A440F74874}" type="datetime1">
+            <a:fld id="{3639AE0A-E801-314B-9C94-B42F7158440A}" type="datetime1">
               <a:rPr lang="en-US" smtClean="0"/>
-              <a:t>1/31/2017</a:t>
+              <a:t>2/5/17</a:t>
             </a:fld>
             <a:endParaRPr lang="en-US"/>
           </a:p>
@@ -5124,7 +5124,7 @@
           <a:p>
             <a:fld id="{162F1D00-BD13-4404-86B0-79703945A0A7}" type="slidenum">
               <a:rPr lang="en-US" smtClean="0"/>
-              <a:t>‹Nº›</a:t>
+              <a:t>‹#›</a:t>
             </a:fld>
             <a:endParaRPr lang="en-US"/>
           </a:p>
@@ -5327,9 +5327,9 @@
           <a:bodyPr/>
           <a:lstStyle/>
           <a:p>
-            <a:fld id="{BA7F3E64-61DF-44F5-87E9-B6ED2E027779}" type="datetime1">
+            <a:fld id="{554D0CFF-2615-AA42-AEF3-97D6122C3A31}" type="datetime1">
               <a:rPr lang="en-US" smtClean="0"/>
-              <a:t>1/31/2017</a:t>
+              <a:t>2/5/17</a:t>
             </a:fld>
             <a:endParaRPr lang="en-US"/>
           </a:p>
@@ -5375,7 +5375,7 @@
           <a:p>
             <a:fld id="{4382A7F7-08BF-4252-8141-63FB96055BBB}" type="slidenum">
               <a:rPr lang="en-US" smtClean="0"/>
-              <a:t>‹Nº›</a:t>
+              <a:t>‹#›</a:t>
             </a:fld>
             <a:endParaRPr lang="en-US"/>
           </a:p>
@@ -5704,9 +5704,9 @@
           <a:bodyPr/>
           <a:lstStyle/>
           <a:p>
-            <a:fld id="{2CFE12CA-1735-43F2-9CE4-A9FC5F14D2C8}" type="datetime1">
+            <a:fld id="{6A472709-6B55-504C-9878-125A3676BD82}" type="datetime1">
               <a:rPr lang="en-US" smtClean="0"/>
-              <a:t>1/31/2017</a:t>
+              <a:t>2/5/17</a:t>
             </a:fld>
             <a:endParaRPr lang="en-US"/>
           </a:p>
@@ -5751,7 +5751,7 @@
           <a:p>
             <a:fld id="{4382A7F7-08BF-4252-8141-63FB96055BBB}" type="slidenum">
               <a:rPr lang="en-US" smtClean="0"/>
-              <a:t>‹Nº›</a:t>
+              <a:t>‹#›</a:t>
             </a:fld>
             <a:endParaRPr lang="en-US"/>
           </a:p>
@@ -5847,9 +5847,9 @@
           <a:bodyPr/>
           <a:lstStyle/>
           <a:p>
-            <a:fld id="{1ECBB643-818B-493E-A966-712916121AA0}" type="datetime1">
+            <a:fld id="{F1EF90DA-D2B6-0643-A544-B956F716F534}" type="datetime1">
               <a:rPr lang="en-US" smtClean="0"/>
-              <a:t>1/31/2017</a:t>
+              <a:t>2/5/17</a:t>
             </a:fld>
             <a:endParaRPr lang="en-US"/>
           </a:p>
@@ -5894,7 +5894,7 @@
           <a:p>
             <a:fld id="{4382A7F7-08BF-4252-8141-63FB96055BBB}" type="slidenum">
               <a:rPr lang="en-US" smtClean="0"/>
-              <a:t>‹Nº›</a:t>
+              <a:t>‹#›</a:t>
             </a:fld>
             <a:endParaRPr lang="en-US"/>
           </a:p>
@@ -6021,9 +6021,9 @@
           <a:bodyPr/>
           <a:lstStyle/>
           <a:p>
-            <a:fld id="{41FEF8FD-F14B-4BA4-B29F-8CB8EB2E0448}" type="datetime1">
+            <a:fld id="{346D2519-1053-2E4F-A38E-482D2C18F615}" type="datetime1">
               <a:rPr lang="en-US" smtClean="0"/>
-              <a:t>1/31/2017</a:t>
+              <a:t>2/5/17</a:t>
             </a:fld>
             <a:endParaRPr lang="en-US"/>
           </a:p>
@@ -6076,7 +6076,7 @@
           <a:p>
             <a:fld id="{4382A7F7-08BF-4252-8141-63FB96055BBB}" type="slidenum">
               <a:rPr lang="en-US" smtClean="0"/>
-              <a:t>‹Nº›</a:t>
+              <a:t>‹#›</a:t>
             </a:fld>
             <a:endParaRPr lang="en-US"/>
           </a:p>
@@ -6378,9 +6378,9 @@
             </a:lvl1pPr>
           </a:lstStyle>
           <a:p>
-            <a:fld id="{19A58F8A-B93A-4B9C-A837-797BCC6E97AD}" type="datetime1">
+            <a:fld id="{039C2AAA-16B5-0A45-B831-A439D4D158B6}" type="datetime1">
               <a:rPr lang="en-US" smtClean="0"/>
-              <a:t>1/31/2017</a:t>
+              <a:t>2/5/17</a:t>
             </a:fld>
             <a:endParaRPr lang="en-US"/>
           </a:p>
@@ -6446,7 +6446,7 @@
           <a:p>
             <a:fld id="{7F5CE407-6216-4202-80E4-A30DC2F709B2}" type="slidenum">
               <a:rPr lang="en-US" smtClean="0"/>
-              <a:t>‹Nº›</a:t>
+              <a:t>‹#›</a:t>
             </a:fld>
             <a:endParaRPr lang="en-US"/>
           </a:p>
@@ -6763,9 +6763,9 @@
           <a:bodyPr/>
           <a:lstStyle/>
           <a:p>
-            <a:fld id="{8B4E3FF8-5D52-41D5-8380-B3743AE86F75}" type="datetime1">
+            <a:fld id="{4B113803-2BF8-0144-8129-D43F92C24F8C}" type="datetime1">
               <a:rPr lang="en-US" smtClean="0"/>
-              <a:t>1/31/2017</a:t>
+              <a:t>2/5/17</a:t>
             </a:fld>
             <a:endParaRPr lang="en-US"/>
           </a:p>
@@ -6810,7 +6810,7 @@
           <a:p>
             <a:fld id="{4382A7F7-08BF-4252-8141-63FB96055BBB}" type="slidenum">
               <a:rPr lang="en-US" smtClean="0"/>
-              <a:t>‹Nº›</a:t>
+              <a:t>‹#›</a:t>
             </a:fld>
             <a:endParaRPr lang="en-US"/>
           </a:p>
@@ -7055,9 +7055,9 @@
             </a:lvl1pPr>
           </a:lstStyle>
           <a:p>
-            <a:fld id="{F525C0F7-EFBE-4F1F-BC18-D529DA806EFE}" type="datetime1">
+            <a:fld id="{C25C3AD7-2712-714A-9C91-2DF26E28E137}" type="datetime1">
               <a:rPr lang="en-US" smtClean="0"/>
-              <a:t>1/31/2017</a:t>
+              <a:t>2/5/17</a:t>
             </a:fld>
             <a:endParaRPr lang="en-US" dirty="0"/>
           </a:p>
@@ -7135,7 +7135,7 @@
           <a:p>
             <a:fld id="{4382A7F7-08BF-4252-8141-63FB96055BBB}" type="slidenum">
               <a:rPr lang="en-US" smtClean="0"/>
-              <a:t>‹Nº›</a:t>
+              <a:t>‹#›</a:t>
             </a:fld>
             <a:endParaRPr lang="en-US"/>
           </a:p>
@@ -7238,7 +7238,7 @@
     <p:sldLayoutId id="2147483736" r:id="rId10"/>
     <p:sldLayoutId id="2147483737" r:id="rId11"/>
   </p:sldLayoutIdLst>
-  <p:hf sldNum="0" hdr="0" dt="0"/>
+  <p:hf hdr="0" dt="0"/>
   <p:txStyles>
     <p:titleStyle>
       <a:lvl1pPr algn="l" defTabSz="914400" rtl="0" eaLnBrk="1" latinLnBrk="0" hangingPunct="1">
@@ -7833,9 +7833,9 @@
             </a:lvl1pPr>
           </a:lstStyle>
           <a:p>
-            <a:fld id="{3ECF85D3-F060-46C7-B29C-EBF0310F4789}" type="datetime1">
+            <a:fld id="{2D53C365-1020-794C-8763-6E4E7F4062A3}" type="datetime1">
               <a:rPr lang="en-US" smtClean="0"/>
-              <a:t>1/31/2017</a:t>
+              <a:t>2/5/17</a:t>
             </a:fld>
             <a:endParaRPr lang="en-US" dirty="0"/>
           </a:p>
@@ -7913,7 +7913,7 @@
           <a:p>
             <a:fld id="{4382A7F7-08BF-4252-8141-63FB96055BBB}" type="slidenum">
               <a:rPr lang="en-US" smtClean="0"/>
-              <a:t>‹Nº›</a:t>
+              <a:t>‹#›</a:t>
             </a:fld>
             <a:endParaRPr lang="en-US"/>
           </a:p>
@@ -8016,7 +8016,7 @@
     <p:sldLayoutId id="2147483748" r:id="rId10"/>
     <p:sldLayoutId id="2147483749" r:id="rId11"/>
   </p:sldLayoutIdLst>
-  <p:hf sldNum="0" hdr="0" dt="0"/>
+  <p:hf hdr="0" dt="0"/>
   <p:txStyles>
     <p:titleStyle>
       <a:lvl1pPr algn="l" defTabSz="914400" rtl="0" eaLnBrk="1" latinLnBrk="0" hangingPunct="1">
@@ -8508,36 +8508,6 @@
           </a:prstGeom>
         </p:spPr>
       </p:pic>
-      <p:pic>
-        <p:nvPicPr>
-          <p:cNvPr id="7" name="Imagen 6"/>
-          <p:cNvPicPr>
-            <a:picLocks noChangeAspect="1"/>
-          </p:cNvPicPr>
-          <p:nvPr/>
-        </p:nvPicPr>
-        <p:blipFill>
-          <a:blip r:embed="rId4">
-            <a:extLst>
-              <a:ext uri="{28A0092B-C50C-407E-A947-70E740481C1C}">
-                <a14:useLocalDpi xmlns:a14="http://schemas.microsoft.com/office/drawing/2010/main" val="0"/>
-              </a:ext>
-            </a:extLst>
-          </a:blip>
-          <a:stretch>
-            <a:fillRect/>
-          </a:stretch>
-        </p:blipFill>
-        <p:spPr>
-          <a:xfrm>
-            <a:off x="1809665" y="5500821"/>
-            <a:ext cx="5574909" cy="802243"/>
-          </a:xfrm>
-          <a:prstGeom prst="rect">
-            <a:avLst/>
-          </a:prstGeom>
-        </p:spPr>
-      </p:pic>
     </p:spTree>
     <p:extLst>
       <p:ext uri="{BB962C8B-B14F-4D97-AF65-F5344CB8AC3E}">
@@ -8610,7 +8580,6 @@
               <a:rPr lang="es-MX" dirty="0" smtClean="0"/>
               <a:t>Aprenda a utilizar el sensor ultrasónico para seguir paredes</a:t>
             </a:r>
-            <a:endParaRPr lang="es-MX" dirty="0" smtClean="0"/>
           </a:p>
           <a:p>
             <a:r>
@@ -8652,6 +8621,29 @@
               <a:rPr lang="en-US"/>
               <a:t>Copytight © 2015 EV3Lessons.com, Last edit 7/06/2016</a:t>
             </a:r>
+          </a:p>
+        </p:txBody>
+      </p:sp>
+      <p:sp>
+        <p:nvSpPr>
+          <p:cNvPr id="5" name="Slide Number Placeholder 4"/>
+          <p:cNvSpPr>
+            <a:spLocks noGrp="1"/>
+          </p:cNvSpPr>
+          <p:nvPr>
+            <p:ph type="sldNum" sz="quarter" idx="12"/>
+          </p:nvPr>
+        </p:nvSpPr>
+        <p:spPr/>
+        <p:txBody>
+          <a:bodyPr/>
+          <a:lstStyle/>
+          <a:p>
+            <a:fld id="{4382A7F7-08BF-4252-8141-63FB96055BBB}" type="slidenum">
+              <a:rPr lang="en-US" smtClean="0"/>
+              <a:t>2</a:t>
+            </a:fld>
+            <a:endParaRPr lang="en-US"/>
           </a:p>
         </p:txBody>
       </p:sp>
@@ -8738,15 +8730,7 @@
                   <a:srgbClr val="FF0000"/>
                 </a:solidFill>
               </a:rPr>
-              <a:t>Desafío</a:t>
-            </a:r>
-            <a:r>
-              <a:rPr lang="es-MX" b="1" dirty="0" smtClean="0">
-                <a:solidFill>
-                  <a:srgbClr val="FF0000"/>
-                </a:solidFill>
-              </a:rPr>
-              <a:t>: </a:t>
+              <a:t>Desafío: </a:t>
             </a:r>
             <a:r>
               <a:rPr lang="es-MX" dirty="0" smtClean="0"/>
@@ -8876,6 +8860,29 @@
                 <a:srgbClr val="FF0000"/>
               </a:solidFill>
             </a:endParaRPr>
+          </a:p>
+        </p:txBody>
+      </p:sp>
+      <p:sp>
+        <p:nvSpPr>
+          <p:cNvPr id="5" name="Slide Number Placeholder 4"/>
+          <p:cNvSpPr>
+            <a:spLocks noGrp="1"/>
+          </p:cNvSpPr>
+          <p:nvPr>
+            <p:ph type="sldNum" sz="quarter" idx="12"/>
+          </p:nvPr>
+        </p:nvSpPr>
+        <p:spPr/>
+        <p:txBody>
+          <a:bodyPr/>
+          <a:lstStyle/>
+          <a:p>
+            <a:fld id="{4382A7F7-08BF-4252-8141-63FB96055BBB}" type="slidenum">
+              <a:rPr lang="en-US" smtClean="0"/>
+              <a:t>3</a:t>
+            </a:fld>
+            <a:endParaRPr lang="en-US"/>
           </a:p>
         </p:txBody>
       </p:sp>
@@ -9064,6 +9071,29 @@
           </a:prstGeom>
         </p:spPr>
       </p:pic>
+      <p:sp>
+        <p:nvSpPr>
+          <p:cNvPr id="3" name="Slide Number Placeholder 2"/>
+          <p:cNvSpPr>
+            <a:spLocks noGrp="1"/>
+          </p:cNvSpPr>
+          <p:nvPr>
+            <p:ph type="sldNum" sz="quarter" idx="12"/>
+          </p:nvPr>
+        </p:nvSpPr>
+        <p:spPr/>
+        <p:txBody>
+          <a:bodyPr/>
+          <a:lstStyle/>
+          <a:p>
+            <a:fld id="{4382A7F7-08BF-4252-8141-63FB96055BBB}" type="slidenum">
+              <a:rPr lang="en-US" smtClean="0"/>
+              <a:t>4</a:t>
+            </a:fld>
+            <a:endParaRPr lang="en-US"/>
+          </a:p>
+        </p:txBody>
+      </p:sp>
     </p:spTree>
     <p:extLst>
       <p:ext uri="{BB962C8B-B14F-4D97-AF65-F5344CB8AC3E}">
@@ -9113,11 +9143,7 @@
           <a:p>
             <a:r>
               <a:rPr lang="es-MX" dirty="0" smtClean="0"/>
-              <a:t>Desafío</a:t>
-            </a:r>
-            <a:r>
-              <a:rPr lang="es-MX" dirty="0" smtClean="0"/>
-              <a:t> 2: Optimizando El Código</a:t>
+              <a:t>Desafío 2: Optimizando El Código</a:t>
             </a:r>
             <a:endParaRPr lang="es-MX" dirty="0"/>
           </a:p>
@@ -9153,15 +9179,7 @@
             </a:r>
             <a:r>
               <a:rPr lang="es-MX" dirty="0" smtClean="0"/>
-              <a:t>ltrasónico </a:t>
-            </a:r>
-            <a:r>
-              <a:rPr lang="es-MX" dirty="0" smtClean="0"/>
-              <a:t>S</a:t>
-            </a:r>
-            <a:r>
-              <a:rPr lang="es-MX" dirty="0" smtClean="0"/>
-              <a:t>imple es lento y el robot se sacude demasiado.</a:t>
+              <a:t>ltrasónico Simple es lento y el robot se sacude demasiado.</a:t>
             </a:r>
           </a:p>
           <a:p>
@@ -9174,23 +9192,11 @@
                   <a:srgbClr val="FF0000"/>
                 </a:solidFill>
               </a:rPr>
-              <a:t>Desafío</a:t>
-            </a:r>
-            <a:r>
-              <a:rPr lang="es-MX" b="1" dirty="0" smtClean="0">
-                <a:solidFill>
-                  <a:srgbClr val="FF0000"/>
-                </a:solidFill>
-              </a:rPr>
-              <a:t>: </a:t>
+              <a:t>Desafío: </a:t>
             </a:r>
             <a:r>
               <a:rPr lang="es-MX" dirty="0" smtClean="0"/>
-              <a:t>Piense como puede mejorar el </a:t>
-            </a:r>
-            <a:r>
-              <a:rPr lang="es-MX" dirty="0" smtClean="0"/>
-              <a:t>programa para que el robot siga la pared de una manera mas suave.</a:t>
+              <a:t>Piense como puede mejorar el programa para que el robot siga la pared de una manera mas suave.</a:t>
             </a:r>
           </a:p>
           <a:p>
@@ -9315,6 +9321,29 @@
                 <a:srgbClr val="FF0000"/>
               </a:solidFill>
             </a:endParaRPr>
+          </a:p>
+        </p:txBody>
+      </p:sp>
+      <p:sp>
+        <p:nvSpPr>
+          <p:cNvPr id="5" name="Slide Number Placeholder 4"/>
+          <p:cNvSpPr>
+            <a:spLocks noGrp="1"/>
+          </p:cNvSpPr>
+          <p:nvPr>
+            <p:ph type="sldNum" sz="quarter" idx="12"/>
+          </p:nvPr>
+        </p:nvSpPr>
+        <p:spPr/>
+        <p:txBody>
+          <a:bodyPr/>
+          <a:lstStyle/>
+          <a:p>
+            <a:fld id="{4382A7F7-08BF-4252-8141-63FB96055BBB}" type="slidenum">
+              <a:rPr lang="en-US" smtClean="0"/>
+              <a:t>5</a:t>
+            </a:fld>
+            <a:endParaRPr lang="en-US"/>
           </a:p>
         </p:txBody>
       </p:sp>
@@ -9502,6 +9531,29 @@
           </a:p>
         </p:txBody>
       </p:sp>
+      <p:sp>
+        <p:nvSpPr>
+          <p:cNvPr id="3" name="Slide Number Placeholder 2"/>
+          <p:cNvSpPr>
+            <a:spLocks noGrp="1"/>
+          </p:cNvSpPr>
+          <p:nvPr>
+            <p:ph type="sldNum" sz="quarter" idx="12"/>
+          </p:nvPr>
+        </p:nvSpPr>
+        <p:spPr/>
+        <p:txBody>
+          <a:bodyPr/>
+          <a:lstStyle/>
+          <a:p>
+            <a:fld id="{4382A7F7-08BF-4252-8141-63FB96055BBB}" type="slidenum">
+              <a:rPr lang="en-US" smtClean="0"/>
+              <a:t>6</a:t>
+            </a:fld>
+            <a:endParaRPr lang="en-US"/>
+          </a:p>
+        </p:txBody>
+      </p:sp>
     </p:spTree>
     <p:extLst>
       <p:ext uri="{BB962C8B-B14F-4D97-AF65-F5344CB8AC3E}">
@@ -9572,15 +9624,7 @@
           <a:p>
             <a:r>
               <a:rPr lang="es-MX" dirty="0" smtClean="0"/>
-              <a:t>Este tutorial fue creado por Sanjay Seshan</a:t>
-            </a:r>
-            <a:r>
-              <a:rPr lang="es-MX" dirty="0" smtClean="0"/>
-              <a:t> y</a:t>
-            </a:r>
-            <a:r>
-              <a:rPr lang="es-MX" dirty="0" smtClean="0"/>
-              <a:t> Arvind Seshan</a:t>
+              <a:t>Este tutorial fue creado por Sanjay Seshan y Arvind Seshan</a:t>
             </a:r>
           </a:p>
           <a:p>
@@ -9653,7 +9697,7 @@
           <a:effectLst/>
           <a:extLst>
             <a:ext uri="{91240B29-F687-4f45-9708-019B960494DF}">
-              <a14:hiddenLine xmlns:a14="http://schemas.microsoft.com/office/drawing/2010/main" xmlns="" w="9525">
+              <a14:hiddenLine xmlns="" xmlns:a14="http://schemas.microsoft.com/office/drawing/2010/main" w="9525">
                 <a:solidFill>
                   <a:schemeClr val="tx1"/>
                 </a:solidFill>
@@ -9663,7 +9707,7 @@
               </a14:hiddenLine>
             </a:ext>
             <a:ext uri="{AF507438-7753-43e0-B8FC-AC1667EBCBE1}">
-              <a14:hiddenEffects xmlns:a14="http://schemas.microsoft.com/office/drawing/2010/main" xmlns="">
+              <a14:hiddenEffects xmlns="" xmlns:a14="http://schemas.microsoft.com/office/drawing/2010/main">
                 <a:effectLst>
                   <a:outerShdw dist="35921" dir="2700000" algn="ctr" rotWithShape="0">
                     <a:schemeClr val="bg2"/>
@@ -10029,7 +10073,7 @@
           <a:noFill/>
           <a:extLst>
             <a:ext uri="{909E8E84-426E-40dd-AFC4-6F175D3DCCD1}">
-              <a14:hiddenFill xmlns:a14="http://schemas.microsoft.com/office/drawing/2010/main" xmlns="">
+              <a14:hiddenFill xmlns="" xmlns:a14="http://schemas.microsoft.com/office/drawing/2010/main">
                 <a:solidFill>
                   <a:srgbClr val="FFFFFF"/>
                 </a:solidFill>
@@ -10038,6 +10082,29 @@
           </a:extLst>
         </p:spPr>
       </p:pic>
+      <p:sp>
+        <p:nvSpPr>
+          <p:cNvPr id="5" name="Slide Number Placeholder 4"/>
+          <p:cNvSpPr>
+            <a:spLocks noGrp="1"/>
+          </p:cNvSpPr>
+          <p:nvPr>
+            <p:ph type="sldNum" sz="quarter" idx="12"/>
+          </p:nvPr>
+        </p:nvSpPr>
+        <p:spPr/>
+        <p:txBody>
+          <a:bodyPr/>
+          <a:lstStyle/>
+          <a:p>
+            <a:fld id="{4382A7F7-08BF-4252-8141-63FB96055BBB}" type="slidenum">
+              <a:rPr lang="en-US" smtClean="0"/>
+              <a:t>7</a:t>
+            </a:fld>
+            <a:endParaRPr lang="en-US"/>
+          </a:p>
+        </p:txBody>
+      </p:sp>
     </p:spTree>
     <p:extLst>
       <p:ext uri="{BB962C8B-B14F-4D97-AF65-F5344CB8AC3E}">
